--- a/output/slidewithtable.pptx
+++ b/output/slidewithtable.pptx
@@ -3973,40 +3973,30 @@
           </a:p>
         </p:txBody>
       </p:sp>
-      <p:sp>
-        <p:nvSpPr>
-          <p:cNvPr id="27" name="TextBox 26"/>
-          <p:cNvSpPr txBox="1"/>
+      <p:pic>
+        <p:nvPicPr>
+          <p:cNvPr id="27" name="Picture 26" descr="chart_9132e907c1180cc6.png"/>
+          <p:cNvPicPr>
+            <a:picLocks noChangeAspect="1"/>
+          </p:cNvPicPr>
           <p:nvPr/>
-        </p:nvSpPr>
+        </p:nvPicPr>
+        <p:blipFill>
+          <a:blip r:embed="rId2"/>
+          <a:stretch>
+            <a:fillRect/>
+          </a:stretch>
+        </p:blipFill>
         <p:spPr>
           <a:xfrm>
             <a:off x="762000" y="4667250"/>
-            <a:ext cx="16764000" cy="1905000"/>
+            <a:ext cx="16764000" cy="2095500"/>
           </a:xfrm>
           <a:prstGeom prst="rect">
             <a:avLst/>
           </a:prstGeom>
-          <a:noFill/>
-        </p:spPr>
-        <p:txBody>
-          <a:bodyPr wrap="none" anchor="ctr">
-            <a:spAutoFit/>
-          </a:bodyPr>
-          <a:lstStyle/>
-          <a:p>
-            <a:r>
-              <a:rPr sz="2400">
-                <a:solidFill>
-                  <a:srgbClr val="999999"/>
-                </a:solidFill>
-                <a:latin typeface="Microsoft YaHei"/>
-              </a:rPr>
-              <a:t>[图表占位 - Chart.js图表]</a:t>
-            </a:r>
-          </a:p>
-        </p:txBody>
-      </p:sp>
+        </p:spPr>
+      </p:pic>
       <p:sp>
         <p:nvSpPr>
           <p:cNvPr id="28" name="Rectangle 27"/>

--- a/output/slidewithtable.pptx
+++ b/output/slidewithtable.pptx
@@ -3139,8 +3139,8 @@
         </p:nvSpPr>
         <p:spPr>
           <a:xfrm>
-            <a:off x="762000" y="762000"/>
-            <a:ext cx="16764000" cy="571500"/>
+            <a:off x="762000" y="571500"/>
+            <a:ext cx="16764000" cy="685800"/>
           </a:xfrm>
           <a:prstGeom prst="rect">
             <a:avLst/>
@@ -3154,8 +3154,8 @@
           <a:lstStyle/>
           <a:p>
             <a:r>
-              <a:rPr sz="4800" b="1">
-                <a:latin typeface="Microsoft YaHei"/>
+              <a:rPr sz="3600" b="1">
+                <a:latin typeface="Source Han Sans CN Bold"/>
               </a:rPr>
               <a:t>网络安全漏洞扫描与修复进展</a:t>
             </a:r>
@@ -3170,8 +3170,8 @@
         </p:nvSpPr>
         <p:spPr>
           <a:xfrm>
-            <a:off x="762000" y="1428750"/>
-            <a:ext cx="16764000" cy="476250"/>
+            <a:off x="762000" y="1333500"/>
+            <a:ext cx="16764000" cy="514350"/>
           </a:xfrm>
           <a:prstGeom prst="rect">
             <a:avLst/>
@@ -3185,11 +3185,11 @@
           <a:lstStyle/>
           <a:p>
             <a:r>
-              <a:rPr sz="3600" b="1">
+              <a:rPr sz="2700" b="1">
                 <a:solidFill>
                   <a:srgbClr val="0A4275"/>
                 </a:solidFill>
-                <a:latin typeface="Microsoft YaHei"/>
+                <a:latin typeface="Source Han Sans CN"/>
               </a:rPr>
               <a:t>第一季度漏洞发现与修复情况</a:t>
             </a:r>
@@ -3204,7 +3204,7 @@
         </p:nvSpPr>
         <p:spPr>
           <a:xfrm>
-            <a:off x="762000" y="2000250"/>
+            <a:off x="762000" y="1847850"/>
             <a:ext cx="762000" cy="38100"/>
           </a:xfrm>
           <a:prstGeom prst="rect">
@@ -3247,8 +3247,8 @@
         </p:nvSpPr>
         <p:spPr>
           <a:xfrm>
-            <a:off x="762000" y="1714500"/>
-            <a:ext cx="3810000" cy="2095500"/>
+            <a:off x="762000" y="2038350"/>
+            <a:ext cx="4048125" cy="2095500"/>
           </a:xfrm>
           <a:prstGeom prst="roundRect">
             <a:avLst/>
@@ -3259,6 +3259,7 @@
           <a:ln>
             <a:noFill/>
           </a:ln>
+          <a:effectLst/>
         </p:spPr>
         <p:style>
           <a:lnRef idx="1">
@@ -3290,8 +3291,8 @@
         </p:nvSpPr>
         <p:spPr>
           <a:xfrm>
-            <a:off x="952500" y="2476500"/>
-            <a:ext cx="476250" cy="476250"/>
+            <a:off x="952500" y="2914650"/>
+            <a:ext cx="342900" cy="342900"/>
           </a:xfrm>
           <a:prstGeom prst="rect">
             <a:avLst/>
@@ -3299,16 +3300,18 @@
           <a:noFill/>
         </p:spPr>
         <p:txBody>
-          <a:bodyPr wrap="none">
+          <a:bodyPr wrap="none" anchor="ctr">
             <a:spAutoFit/>
           </a:bodyPr>
           <a:lstStyle/>
           <a:p>
+            <a:pPr algn="ctr"/>
             <a:r>
               <a:rPr sz="3600">
                 <a:solidFill>
                   <a:srgbClr val="0A4275"/>
                 </a:solidFill>
+                <a:latin typeface="DengXian"/>
               </a:rPr>
               <a:t>🔍</a:t>
             </a:r>
@@ -3323,8 +3326,8 @@
         </p:nvSpPr>
         <p:spPr>
           <a:xfrm>
-            <a:off x="1524000" y="1905000"/>
-            <a:ext cx="2857500" cy="285750"/>
+            <a:off x="1485900" y="2619375"/>
+            <a:ext cx="3133725" cy="200025"/>
           </a:xfrm>
           <a:prstGeom prst="rect">
             <a:avLst/>
@@ -3332,17 +3335,18 @@
           <a:noFill/>
         </p:spPr>
         <p:txBody>
-          <a:bodyPr wrap="square">
+          <a:bodyPr wrap="square" anchor="t">
             <a:spAutoFit/>
           </a:bodyPr>
           <a:lstStyle/>
           <a:p>
-            <a:r>
-              <a:rPr sz="1800">
+            <a:pPr algn="l"/>
+            <a:r>
+              <a:rPr sz="1400">
                 <a:solidFill>
                   <a:srgbClr val="0A4275"/>
                 </a:solidFill>
-                <a:latin typeface="Microsoft YaHei"/>
+                <a:latin typeface="DengXian"/>
               </a:rPr>
               <a:t>扫描资产数量</a:t>
             </a:r>
@@ -3357,8 +3361,8 @@
         </p:nvSpPr>
         <p:spPr>
           <a:xfrm>
-            <a:off x="1524000" y="2286000"/>
-            <a:ext cx="2857500" cy="476250"/>
+            <a:off x="1485900" y="2867025"/>
+            <a:ext cx="3133725" cy="381000"/>
           </a:xfrm>
           <a:prstGeom prst="rect">
             <a:avLst/>
@@ -3366,17 +3370,18 @@
           <a:noFill/>
         </p:spPr>
         <p:txBody>
-          <a:bodyPr wrap="none">
+          <a:bodyPr wrap="none" anchor="t">
             <a:spAutoFit/>
           </a:bodyPr>
           <a:lstStyle/>
           <a:p>
-            <a:r>
-              <a:rPr sz="3600" b="1">
+            <a:pPr algn="l"/>
+            <a:r>
+              <a:rPr sz="2700" b="1">
                 <a:solidFill>
                   <a:srgbClr val="0A4275"/>
                 </a:solidFill>
-                <a:latin typeface="Microsoft YaHei"/>
+                <a:latin typeface="DengXian"/>
               </a:rPr>
               <a:t>428</a:t>
             </a:r>
@@ -3391,8 +3396,8 @@
         </p:nvSpPr>
         <p:spPr>
           <a:xfrm>
-            <a:off x="1524000" y="2857500"/>
-            <a:ext cx="2857500" cy="285750"/>
+            <a:off x="1485900" y="3295650"/>
+            <a:ext cx="3133725" cy="209550"/>
           </a:xfrm>
           <a:prstGeom prst="rect">
             <a:avLst/>
@@ -3400,14 +3405,15 @@
           <a:noFill/>
         </p:spPr>
         <p:txBody>
-          <a:bodyPr wrap="none">
+          <a:bodyPr wrap="square" anchor="t">
             <a:spAutoFit/>
           </a:bodyPr>
           <a:lstStyle/>
           <a:p>
-            <a:r>
-              <a:rPr sz="2000">
-                <a:latin typeface="Microsoft YaHei"/>
+            <a:pPr algn="l"/>
+            <a:r>
+              <a:rPr sz="1500">
+                <a:latin typeface="DengXian"/>
               </a:rPr>
               <a:t>覆盖率98.2%</a:t>
             </a:r>
@@ -3422,8 +3428,8 @@
         </p:nvSpPr>
         <p:spPr>
           <a:xfrm>
-            <a:off x="4762500" y="1714500"/>
-            <a:ext cx="3810000" cy="2095500"/>
+            <a:off x="5000625" y="2038350"/>
+            <a:ext cx="4048125" cy="2095500"/>
           </a:xfrm>
           <a:prstGeom prst="roundRect">
             <a:avLst/>
@@ -3434,6 +3440,7 @@
           <a:ln>
             <a:noFill/>
           </a:ln>
+          <a:effectLst/>
         </p:spPr>
         <p:style>
           <a:lnRef idx="1">
@@ -3465,8 +3472,8 @@
         </p:nvSpPr>
         <p:spPr>
           <a:xfrm>
-            <a:off x="4953000" y="2476500"/>
-            <a:ext cx="476250" cy="476250"/>
+            <a:off x="5191125" y="2914650"/>
+            <a:ext cx="342900" cy="342900"/>
           </a:xfrm>
           <a:prstGeom prst="rect">
             <a:avLst/>
@@ -3474,16 +3481,18 @@
           <a:noFill/>
         </p:spPr>
         <p:txBody>
-          <a:bodyPr wrap="none">
+          <a:bodyPr wrap="none" anchor="ctr">
             <a:spAutoFit/>
           </a:bodyPr>
           <a:lstStyle/>
           <a:p>
+            <a:pPr algn="ctr"/>
             <a:r>
               <a:rPr sz="3600">
                 <a:solidFill>
                   <a:srgbClr val="0A4275"/>
                 </a:solidFill>
+                <a:latin typeface="DengXian"/>
               </a:rPr>
               <a:t>🐛</a:t>
             </a:r>
@@ -3498,8 +3507,8 @@
         </p:nvSpPr>
         <p:spPr>
           <a:xfrm>
-            <a:off x="5524500" y="1905000"/>
-            <a:ext cx="2857500" cy="285750"/>
+            <a:off x="5724525" y="2619375"/>
+            <a:ext cx="3133725" cy="200025"/>
           </a:xfrm>
           <a:prstGeom prst="rect">
             <a:avLst/>
@@ -3507,17 +3516,18 @@
           <a:noFill/>
         </p:spPr>
         <p:txBody>
-          <a:bodyPr wrap="square">
+          <a:bodyPr wrap="square" anchor="t">
             <a:spAutoFit/>
           </a:bodyPr>
           <a:lstStyle/>
           <a:p>
-            <a:r>
-              <a:rPr sz="1800">
+            <a:pPr algn="l"/>
+            <a:r>
+              <a:rPr sz="1400">
                 <a:solidFill>
                   <a:srgbClr val="0A4275"/>
                 </a:solidFill>
-                <a:latin typeface="Microsoft YaHei"/>
+                <a:latin typeface="DengXian"/>
               </a:rPr>
               <a:t>发现漏洞总数</a:t>
             </a:r>
@@ -3532,8 +3542,8 @@
         </p:nvSpPr>
         <p:spPr>
           <a:xfrm>
-            <a:off x="5524500" y="2286000"/>
-            <a:ext cx="2857500" cy="476250"/>
+            <a:off x="5724525" y="2867025"/>
+            <a:ext cx="3133725" cy="381000"/>
           </a:xfrm>
           <a:prstGeom prst="rect">
             <a:avLst/>
@@ -3541,17 +3551,18 @@
           <a:noFill/>
         </p:spPr>
         <p:txBody>
-          <a:bodyPr wrap="none">
+          <a:bodyPr wrap="none" anchor="t">
             <a:spAutoFit/>
           </a:bodyPr>
           <a:lstStyle/>
           <a:p>
-            <a:r>
-              <a:rPr sz="3600" b="1">
+            <a:pPr algn="l"/>
+            <a:r>
+              <a:rPr sz="2700" b="1">
                 <a:solidFill>
                   <a:srgbClr val="0A4275"/>
                 </a:solidFill>
-                <a:latin typeface="Microsoft YaHei"/>
+                <a:latin typeface="DengXian"/>
               </a:rPr>
               <a:t>342</a:t>
             </a:r>
@@ -3566,8 +3577,8 @@
         </p:nvSpPr>
         <p:spPr>
           <a:xfrm>
-            <a:off x="5524500" y="2857500"/>
-            <a:ext cx="2857500" cy="285750"/>
+            <a:off x="5724525" y="3295650"/>
+            <a:ext cx="3133725" cy="209550"/>
           </a:xfrm>
           <a:prstGeom prst="rect">
             <a:avLst/>
@@ -3575,14 +3586,15 @@
           <a:noFill/>
         </p:spPr>
         <p:txBody>
-          <a:bodyPr wrap="none">
+          <a:bodyPr wrap="square" anchor="t">
             <a:spAutoFit/>
           </a:bodyPr>
           <a:lstStyle/>
           <a:p>
-            <a:r>
-              <a:rPr sz="2000">
-                <a:latin typeface="Microsoft YaHei"/>
+            <a:pPr algn="l"/>
+            <a:r>
+              <a:rPr sz="1500">
+                <a:latin typeface="DengXian"/>
               </a:rPr>
               <a:t>较上季度减少8.3%</a:t>
             </a:r>
@@ -3597,8 +3609,8 @@
         </p:nvSpPr>
         <p:spPr>
           <a:xfrm>
-            <a:off x="8763000" y="1714500"/>
-            <a:ext cx="3810000" cy="2095500"/>
+            <a:off x="9239250" y="2038350"/>
+            <a:ext cx="4048125" cy="2095500"/>
           </a:xfrm>
           <a:prstGeom prst="roundRect">
             <a:avLst/>
@@ -3609,6 +3621,7 @@
           <a:ln>
             <a:noFill/>
           </a:ln>
+          <a:effectLst/>
         </p:spPr>
         <p:style>
           <a:lnRef idx="1">
@@ -3640,8 +3653,8 @@
         </p:nvSpPr>
         <p:spPr>
           <a:xfrm>
-            <a:off x="8953500" y="2476500"/>
-            <a:ext cx="476250" cy="476250"/>
+            <a:off x="9429750" y="2914650"/>
+            <a:ext cx="342900" cy="342900"/>
           </a:xfrm>
           <a:prstGeom prst="rect">
             <a:avLst/>
@@ -3649,16 +3662,18 @@
           <a:noFill/>
         </p:spPr>
         <p:txBody>
-          <a:bodyPr wrap="none">
+          <a:bodyPr wrap="none" anchor="ctr">
             <a:spAutoFit/>
           </a:bodyPr>
           <a:lstStyle/>
           <a:p>
+            <a:pPr algn="ctr"/>
             <a:r>
               <a:rPr sz="3600">
                 <a:solidFill>
                   <a:srgbClr val="0A4275"/>
                 </a:solidFill>
+                <a:latin typeface="DengXian"/>
               </a:rPr>
               <a:t>✓</a:t>
             </a:r>
@@ -3673,8 +3688,8 @@
         </p:nvSpPr>
         <p:spPr>
           <a:xfrm>
-            <a:off x="9525000" y="1905000"/>
-            <a:ext cx="2857500" cy="285750"/>
+            <a:off x="9963150" y="2619375"/>
+            <a:ext cx="3133725" cy="200025"/>
           </a:xfrm>
           <a:prstGeom prst="rect">
             <a:avLst/>
@@ -3682,17 +3697,18 @@
           <a:noFill/>
         </p:spPr>
         <p:txBody>
-          <a:bodyPr wrap="square">
+          <a:bodyPr wrap="square" anchor="t">
             <a:spAutoFit/>
           </a:bodyPr>
           <a:lstStyle/>
           <a:p>
-            <a:r>
-              <a:rPr sz="1800">
+            <a:pPr algn="l"/>
+            <a:r>
+              <a:rPr sz="1400">
                 <a:solidFill>
                   <a:srgbClr val="0A4275"/>
                 </a:solidFill>
-                <a:latin typeface="Microsoft YaHei"/>
+                <a:latin typeface="DengXian"/>
               </a:rPr>
               <a:t>已修复漏洞</a:t>
             </a:r>
@@ -3707,8 +3723,8 @@
         </p:nvSpPr>
         <p:spPr>
           <a:xfrm>
-            <a:off x="9525000" y="2286000"/>
-            <a:ext cx="2857500" cy="476250"/>
+            <a:off x="9963150" y="2867025"/>
+            <a:ext cx="3133725" cy="381000"/>
           </a:xfrm>
           <a:prstGeom prst="rect">
             <a:avLst/>
@@ -3716,17 +3732,18 @@
           <a:noFill/>
         </p:spPr>
         <p:txBody>
-          <a:bodyPr wrap="none">
+          <a:bodyPr wrap="none" anchor="t">
             <a:spAutoFit/>
           </a:bodyPr>
           <a:lstStyle/>
           <a:p>
-            <a:r>
-              <a:rPr sz="3600" b="1">
+            <a:pPr algn="l"/>
+            <a:r>
+              <a:rPr sz="2700" b="1">
                 <a:solidFill>
                   <a:srgbClr val="0A4275"/>
                 </a:solidFill>
-                <a:latin typeface="Microsoft YaHei"/>
+                <a:latin typeface="DengXian"/>
               </a:rPr>
               <a:t>263</a:t>
             </a:r>
@@ -3741,8 +3758,8 @@
         </p:nvSpPr>
         <p:spPr>
           <a:xfrm>
-            <a:off x="9525000" y="2857500"/>
-            <a:ext cx="2857500" cy="285750"/>
+            <a:off x="9963150" y="3295650"/>
+            <a:ext cx="3133725" cy="209550"/>
           </a:xfrm>
           <a:prstGeom prst="rect">
             <a:avLst/>
@@ -3750,14 +3767,15 @@
           <a:noFill/>
         </p:spPr>
         <p:txBody>
-          <a:bodyPr wrap="none">
+          <a:bodyPr wrap="square" anchor="t">
             <a:spAutoFit/>
           </a:bodyPr>
           <a:lstStyle/>
           <a:p>
-            <a:r>
-              <a:rPr sz="2000">
-                <a:latin typeface="Microsoft YaHei"/>
+            <a:pPr algn="l"/>
+            <a:r>
+              <a:rPr sz="1500">
+                <a:latin typeface="DengXian"/>
               </a:rPr>
               <a:t>修复率76.9%</a:t>
             </a:r>
@@ -3772,8 +3790,8 @@
         </p:nvSpPr>
         <p:spPr>
           <a:xfrm>
-            <a:off x="12763500" y="1714500"/>
-            <a:ext cx="3810000" cy="2095500"/>
+            <a:off x="13477875" y="2038350"/>
+            <a:ext cx="4048125" cy="2095500"/>
           </a:xfrm>
           <a:prstGeom prst="roundRect">
             <a:avLst/>
@@ -3784,6 +3802,7 @@
           <a:ln>
             <a:noFill/>
           </a:ln>
+          <a:effectLst/>
         </p:spPr>
         <p:style>
           <a:lnRef idx="1">
@@ -3815,8 +3834,8 @@
         </p:nvSpPr>
         <p:spPr>
           <a:xfrm>
-            <a:off x="12954000" y="2476500"/>
-            <a:ext cx="476250" cy="476250"/>
+            <a:off x="13668375" y="2914650"/>
+            <a:ext cx="342900" cy="342900"/>
           </a:xfrm>
           <a:prstGeom prst="rect">
             <a:avLst/>
@@ -3824,16 +3843,18 @@
           <a:noFill/>
         </p:spPr>
         <p:txBody>
-          <a:bodyPr wrap="none">
+          <a:bodyPr wrap="none" anchor="ctr">
             <a:spAutoFit/>
           </a:bodyPr>
           <a:lstStyle/>
           <a:p>
+            <a:pPr algn="ctr"/>
             <a:r>
               <a:rPr sz="3600">
                 <a:solidFill>
                   <a:srgbClr val="0A4275"/>
                 </a:solidFill>
+                <a:latin typeface="DengXian"/>
               </a:rPr>
               <a:t>⚠</a:t>
             </a:r>
@@ -3848,8 +3869,8 @@
         </p:nvSpPr>
         <p:spPr>
           <a:xfrm>
-            <a:off x="13525500" y="1905000"/>
-            <a:ext cx="2857500" cy="285750"/>
+            <a:off x="14201775" y="2619375"/>
+            <a:ext cx="3133725" cy="200025"/>
           </a:xfrm>
           <a:prstGeom prst="rect">
             <a:avLst/>
@@ -3857,17 +3878,18 @@
           <a:noFill/>
         </p:spPr>
         <p:txBody>
-          <a:bodyPr wrap="square">
+          <a:bodyPr wrap="square" anchor="t">
             <a:spAutoFit/>
           </a:bodyPr>
           <a:lstStyle/>
           <a:p>
-            <a:r>
-              <a:rPr sz="1800">
+            <a:pPr algn="l"/>
+            <a:r>
+              <a:rPr sz="1400">
                 <a:solidFill>
                   <a:srgbClr val="0A4275"/>
                 </a:solidFill>
-                <a:latin typeface="Microsoft YaHei"/>
+                <a:latin typeface="DengXian"/>
               </a:rPr>
               <a:t>高危漏洞数量</a:t>
             </a:r>
@@ -3882,8 +3904,8 @@
         </p:nvSpPr>
         <p:spPr>
           <a:xfrm>
-            <a:off x="13525500" y="2286000"/>
-            <a:ext cx="2857500" cy="476250"/>
+            <a:off x="14201775" y="2867025"/>
+            <a:ext cx="3133725" cy="381000"/>
           </a:xfrm>
           <a:prstGeom prst="rect">
             <a:avLst/>
@@ -3891,17 +3913,18 @@
           <a:noFill/>
         </p:spPr>
         <p:txBody>
-          <a:bodyPr wrap="none">
+          <a:bodyPr wrap="none" anchor="t">
             <a:spAutoFit/>
           </a:bodyPr>
           <a:lstStyle/>
           <a:p>
-            <a:r>
-              <a:rPr sz="3600" b="1">
+            <a:pPr algn="l"/>
+            <a:r>
+              <a:rPr sz="2700" b="1">
                 <a:solidFill>
                   <a:srgbClr val="0A4275"/>
                 </a:solidFill>
-                <a:latin typeface="Microsoft YaHei"/>
+                <a:latin typeface="DengXian"/>
               </a:rPr>
               <a:t>87</a:t>
             </a:r>
@@ -3916,8 +3939,8 @@
         </p:nvSpPr>
         <p:spPr>
           <a:xfrm>
-            <a:off x="13525500" y="2857500"/>
-            <a:ext cx="2857500" cy="285750"/>
+            <a:off x="14201775" y="3295650"/>
+            <a:ext cx="3133725" cy="209550"/>
           </a:xfrm>
           <a:prstGeom prst="rect">
             <a:avLst/>
@@ -3925,14 +3948,15 @@
           <a:noFill/>
         </p:spPr>
         <p:txBody>
-          <a:bodyPr wrap="none">
+          <a:bodyPr wrap="square" anchor="t">
             <a:spAutoFit/>
           </a:bodyPr>
           <a:lstStyle/>
           <a:p>
-            <a:r>
-              <a:rPr sz="2000">
-                <a:latin typeface="Microsoft YaHei"/>
+            <a:pPr algn="l"/>
+            <a:r>
+              <a:rPr sz="1500">
+                <a:latin typeface="DengXian"/>
               </a:rPr>
               <a:t>已修复76个(87.4%)</a:t>
             </a:r>
@@ -3941,82 +3965,25 @@
       </p:sp>
       <p:sp>
         <p:nvSpPr>
-          <p:cNvPr id="26" name="TextBox 25"/>
-          <p:cNvSpPr txBox="1"/>
-          <p:nvPr/>
-        </p:nvSpPr>
-        <p:spPr>
-          <a:xfrm>
-            <a:off x="762000" y="4286250"/>
-            <a:ext cx="16764000" cy="285750"/>
-          </a:xfrm>
-          <a:prstGeom prst="rect">
-            <a:avLst/>
-          </a:prstGeom>
-          <a:noFill/>
-        </p:spPr>
-        <p:txBody>
-          <a:bodyPr wrap="none">
-            <a:spAutoFit/>
-          </a:bodyPr>
-          <a:lstStyle/>
-          <a:p>
-            <a:r>
-              <a:rPr sz="2000">
-                <a:solidFill>
-                  <a:srgbClr val="0A4275"/>
-                </a:solidFill>
-                <a:latin typeface="Microsoft YaHei"/>
-              </a:rPr>
-              <a:t>漏洞类型分布与修复情况</a:t>
-            </a:r>
-          </a:p>
-        </p:txBody>
-      </p:sp>
-      <p:pic>
-        <p:nvPicPr>
-          <p:cNvPr id="27" name="Picture 26" descr="chart_9132e907c1180cc6.png"/>
-          <p:cNvPicPr>
-            <a:picLocks noChangeAspect="1"/>
-          </p:cNvPicPr>
-          <p:nvPr/>
-        </p:nvPicPr>
-        <p:blipFill>
-          <a:blip r:embed="rId2"/>
-          <a:stretch>
-            <a:fillRect/>
-          </a:stretch>
-        </p:blipFill>
-        <p:spPr>
-          <a:xfrm>
-            <a:off x="762000" y="4667250"/>
-            <a:ext cx="16764000" cy="2095500"/>
-          </a:xfrm>
-          <a:prstGeom prst="rect">
-            <a:avLst/>
-          </a:prstGeom>
-        </p:spPr>
-      </p:pic>
-      <p:sp>
-        <p:nvSpPr>
-          <p:cNvPr id="28" name="Rectangle 27"/>
+          <p:cNvPr id="26" name="Rounded Rectangle 25"/>
           <p:cNvSpPr/>
           <p:nvPr/>
         </p:nvSpPr>
         <p:spPr>
           <a:xfrm>
-            <a:off x="762000" y="6953250"/>
-            <a:ext cx="38100" cy="2667000"/>
-          </a:xfrm>
-          <a:prstGeom prst="rect">
+            <a:off x="762000" y="4514850"/>
+            <a:ext cx="16764000" cy="2809875"/>
+          </a:xfrm>
+          <a:prstGeom prst="roundRect">
             <a:avLst/>
           </a:prstGeom>
           <a:solidFill>
-            <a:srgbClr val="0A4275"/>
+            <a:srgbClr val="EBEFF3"/>
           </a:solidFill>
           <a:ln>
             <a:noFill/>
           </a:ln>
+          <a:effectLst/>
         </p:spPr>
         <p:style>
           <a:lnRef idx="1">
@@ -4042,14 +4009,14 @@
       </p:sp>
       <p:sp>
         <p:nvSpPr>
-          <p:cNvPr id="29" name="TextBox 28"/>
+          <p:cNvPr id="27" name="TextBox 26"/>
           <p:cNvSpPr txBox="1"/>
           <p:nvPr/>
         </p:nvSpPr>
         <p:spPr>
           <a:xfrm>
-            <a:off x="952500" y="7048500"/>
-            <a:ext cx="16383000" cy="285750"/>
+            <a:off x="904875" y="4657725"/>
+            <a:ext cx="16478250" cy="285750"/>
           </a:xfrm>
           <a:prstGeom prst="rect">
             <a:avLst/>
@@ -4063,27 +4030,51 @@
           <a:lstStyle/>
           <a:p>
             <a:r>
-              <a:rPr sz="2000">
+              <a:rPr sz="1500">
                 <a:solidFill>
                   <a:srgbClr val="0A4275"/>
                 </a:solidFill>
-                <a:latin typeface="Microsoft YaHei"/>
+                <a:latin typeface="DengXian"/>
               </a:rPr>
-              <a:t>高危漏洞修复进度与重点待整改项</a:t>
-            </a:r>
-          </a:p>
-        </p:txBody>
-      </p:sp>
-      <p:sp>
-        <p:nvSpPr>
-          <p:cNvPr id="30" name="TextBox 29"/>
+              <a:t>漏洞类型分布与修复情况</a:t>
+            </a:r>
+          </a:p>
+        </p:txBody>
+      </p:sp>
+      <p:pic>
+        <p:nvPicPr>
+          <p:cNvPr id="28" name="Picture 27" descr="chart_9132e907c1180cc6.png"/>
+          <p:cNvPicPr>
+            <a:picLocks noChangeAspect="1"/>
+          </p:cNvPicPr>
+          <p:nvPr/>
+        </p:nvPicPr>
+        <p:blipFill>
+          <a:blip r:embed="rId2"/>
+          <a:stretch>
+            <a:fillRect/>
+          </a:stretch>
+        </p:blipFill>
+        <p:spPr>
+          <a:xfrm>
+            <a:off x="904875" y="4991100"/>
+            <a:ext cx="16478250" cy="2095500"/>
+          </a:xfrm>
+          <a:prstGeom prst="rect">
+            <a:avLst/>
+          </a:prstGeom>
+        </p:spPr>
+      </p:pic>
+      <p:sp>
+        <p:nvSpPr>
+          <p:cNvPr id="29" name="TextBox 28"/>
           <p:cNvSpPr txBox="1"/>
           <p:nvPr/>
         </p:nvSpPr>
         <p:spPr>
           <a:xfrm>
-            <a:off x="952500" y="7429500"/>
-            <a:ext cx="15240000" cy="238125"/>
+            <a:off x="952500" y="7753350"/>
+            <a:ext cx="16383000" cy="285750"/>
           </a:xfrm>
           <a:prstGeom prst="rect">
             <a:avLst/>
@@ -4091,30 +4082,33 @@
           <a:noFill/>
         </p:spPr>
         <p:txBody>
-          <a:bodyPr wrap="none" tIns="0" bIns="0">
+          <a:bodyPr wrap="none">
             <a:spAutoFit/>
           </a:bodyPr>
           <a:lstStyle/>
           <a:p>
             <a:r>
-              <a:rPr sz="1600">
-                <a:latin typeface="Microsoft YaHei"/>
+              <a:rPr sz="1500">
+                <a:solidFill>
+                  <a:srgbClr val="0A4275"/>
+                </a:solidFill>
+                <a:latin typeface="DengXian"/>
               </a:rPr>
-              <a:t>核心业务系统漏洞修复</a:t>
-            </a:r>
-          </a:p>
-        </p:txBody>
-      </p:sp>
-      <p:sp>
-        <p:nvSpPr>
-          <p:cNvPr id="31" name="TextBox 30"/>
+              <a:t>高危漏洞修复进度与重点待整改项</a:t>
+            </a:r>
+          </a:p>
+        </p:txBody>
+      </p:sp>
+      <p:sp>
+        <p:nvSpPr>
+          <p:cNvPr id="30" name="TextBox 29"/>
           <p:cNvSpPr txBox="1"/>
           <p:nvPr/>
         </p:nvSpPr>
         <p:spPr>
           <a:xfrm>
-            <a:off x="16383000" y="7429500"/>
-            <a:ext cx="762000" cy="238125"/>
+            <a:off x="952500" y="8134350"/>
+            <a:ext cx="15240000" cy="238125"/>
           </a:xfrm>
           <a:prstGeom prst="rect">
             <a:avLst/>
@@ -4122,6 +4116,37 @@
           <a:noFill/>
         </p:spPr>
         <p:txBody>
+          <a:bodyPr wrap="none" tIns="0" bIns="0">
+            <a:spAutoFit/>
+          </a:bodyPr>
+          <a:lstStyle/>
+          <a:p>
+            <a:r>
+              <a:rPr sz="1600">
+                <a:latin typeface="DengXian"/>
+              </a:rPr>
+              <a:t>核心业务系统漏洞修复</a:t>
+            </a:r>
+          </a:p>
+        </p:txBody>
+      </p:sp>
+      <p:sp>
+        <p:nvSpPr>
+          <p:cNvPr id="31" name="TextBox 30"/>
+          <p:cNvSpPr txBox="1"/>
+          <p:nvPr/>
+        </p:nvSpPr>
+        <p:spPr>
+          <a:xfrm>
+            <a:off x="16383000" y="8134350"/>
+            <a:ext cx="762000" cy="238125"/>
+          </a:xfrm>
+          <a:prstGeom prst="rect">
+            <a:avLst/>
+          </a:prstGeom>
+          <a:noFill/>
+        </p:spPr>
+        <p:txBody>
           <a:bodyPr wrap="none">
             <a:spAutoFit/>
           </a:bodyPr>
@@ -4129,7 +4154,7 @@
           <a:p>
             <a:r>
               <a:rPr sz="1600">
-                <a:latin typeface="Microsoft YaHei"/>
+                <a:latin typeface="DengXian"/>
               </a:rPr>
               <a:t>92.7%</a:t>
             </a:r>
@@ -4144,7 +4169,7 @@
         </p:nvSpPr>
         <p:spPr>
           <a:xfrm>
-            <a:off x="952500" y="7715250"/>
+            <a:off x="952500" y="8420100"/>
             <a:ext cx="16192500" cy="152400"/>
           </a:xfrm>
           <a:prstGeom prst="roundRect">
@@ -4187,7 +4212,7 @@
         </p:nvSpPr>
         <p:spPr>
           <a:xfrm>
-            <a:off x="952500" y="7715250"/>
+            <a:off x="952500" y="8420100"/>
             <a:ext cx="15001875" cy="152400"/>
           </a:xfrm>
           <a:prstGeom prst="roundRect">
@@ -4230,7 +4255,7 @@
         </p:nvSpPr>
         <p:spPr>
           <a:xfrm>
-            <a:off x="952500" y="8001000"/>
+            <a:off x="952500" y="8705850"/>
             <a:ext cx="15240000" cy="238125"/>
           </a:xfrm>
           <a:prstGeom prst="rect">
@@ -4246,7 +4271,7 @@
           <a:p>
             <a:r>
               <a:rPr sz="1600">
-                <a:latin typeface="Microsoft YaHei"/>
+                <a:latin typeface="DengXian"/>
               </a:rPr>
               <a:t>办公内网系统漏洞修复</a:t>
             </a:r>
@@ -4261,7 +4286,7 @@
         </p:nvSpPr>
         <p:spPr>
           <a:xfrm>
-            <a:off x="16383000" y="8001000"/>
+            <a:off x="16383000" y="8705850"/>
             <a:ext cx="762000" cy="238125"/>
           </a:xfrm>
           <a:prstGeom prst="rect">
@@ -4277,7 +4302,7 @@
           <a:p>
             <a:r>
               <a:rPr sz="1600">
-                <a:latin typeface="Microsoft YaHei"/>
+                <a:latin typeface="DengXian"/>
               </a:rPr>
               <a:t>84.5%</a:t>
             </a:r>
@@ -4292,7 +4317,7 @@
         </p:nvSpPr>
         <p:spPr>
           <a:xfrm>
-            <a:off x="952500" y="8286750"/>
+            <a:off x="952500" y="8991600"/>
             <a:ext cx="16192500" cy="152400"/>
           </a:xfrm>
           <a:prstGeom prst="roundRect">
@@ -4335,7 +4360,7 @@
         </p:nvSpPr>
         <p:spPr>
           <a:xfrm>
-            <a:off x="952500" y="8286750"/>
+            <a:off x="952500" y="8991600"/>
             <a:ext cx="13677900" cy="152400"/>
           </a:xfrm>
           <a:prstGeom prst="roundRect">
@@ -4378,7 +4403,7 @@
         </p:nvSpPr>
         <p:spPr>
           <a:xfrm>
-            <a:off x="952500" y="8572500"/>
+            <a:off x="952500" y="9277350"/>
             <a:ext cx="15240000" cy="238125"/>
           </a:xfrm>
           <a:prstGeom prst="rect">
@@ -4394,7 +4419,7 @@
           <a:p>
             <a:r>
               <a:rPr sz="1600">
-                <a:latin typeface="Microsoft YaHei"/>
+                <a:latin typeface="DengXian"/>
               </a:rPr>
               <a:t>周边业务系统漏洞修复</a:t>
             </a:r>
@@ -4409,7 +4434,7 @@
         </p:nvSpPr>
         <p:spPr>
           <a:xfrm>
-            <a:off x="16383000" y="8572500"/>
+            <a:off x="16383000" y="9277350"/>
             <a:ext cx="762000" cy="238125"/>
           </a:xfrm>
           <a:prstGeom prst="rect">
@@ -4425,7 +4450,7 @@
           <a:p>
             <a:r>
               <a:rPr sz="1600">
-                <a:latin typeface="Microsoft YaHei"/>
+                <a:latin typeface="DengXian"/>
               </a:rPr>
               <a:t>65.8%</a:t>
             </a:r>
@@ -4440,7 +4465,7 @@
         </p:nvSpPr>
         <p:spPr>
           <a:xfrm>
-            <a:off x="952500" y="8858250"/>
+            <a:off x="952500" y="9563100"/>
             <a:ext cx="16192500" cy="152400"/>
           </a:xfrm>
           <a:prstGeom prst="roundRect">
@@ -4483,7 +4508,7 @@
         </p:nvSpPr>
         <p:spPr>
           <a:xfrm>
-            <a:off x="952500" y="8858250"/>
+            <a:off x="952500" y="9563100"/>
             <a:ext cx="10648950" cy="152400"/>
           </a:xfrm>
           <a:prstGeom prst="roundRect">
@@ -4526,7 +4551,7 @@
         </p:nvSpPr>
         <p:spPr>
           <a:xfrm>
-            <a:off x="952500" y="9144000"/>
+            <a:off x="952500" y="9848850"/>
             <a:ext cx="16383000" cy="285750"/>
           </a:xfrm>
           <a:prstGeom prst="rect">
@@ -4541,8 +4566,8 @@
           <a:lstStyle/>
           <a:p>
             <a:r>
-              <a:rPr sz="2000">
-                <a:latin typeface="Microsoft YaHei"/>
+              <a:rPr sz="1500">
+                <a:latin typeface="DengXian"/>
               </a:rPr>
               <a:t>• 待修复：数据中心API接口存在未授权访问漏洞（高危）- 预计5月15日完成整改</a:t>
             </a:r>
@@ -4557,7 +4582,7 @@
         </p:nvSpPr>
         <p:spPr>
           <a:xfrm>
-            <a:off x="952500" y="9477375"/>
+            <a:off x="952500" y="10182225"/>
             <a:ext cx="16383000" cy="285750"/>
           </a:xfrm>
           <a:prstGeom prst="rect">
@@ -4572,8 +4597,8 @@
           <a:lstStyle/>
           <a:p>
             <a:r>
-              <a:rPr sz="2000">
-                <a:latin typeface="Microsoft YaHei"/>
+              <a:rPr sz="1500">
+                <a:latin typeface="DengXian"/>
               </a:rPr>
               <a:t>• 待修复：内部办公系统存在跨站脚本漏洞（中危）- 已安排5月10日前修复</a:t>
             </a:r>
@@ -4582,7 +4607,50 @@
       </p:sp>
       <p:sp>
         <p:nvSpPr>
-          <p:cNvPr id="44" name="TextBox 43"/>
+          <p:cNvPr id="44" name="Rectangle 43"/>
+          <p:cNvSpPr/>
+          <p:nvPr/>
+        </p:nvSpPr>
+        <p:spPr>
+          <a:xfrm>
+            <a:off x="762000" y="7658100"/>
+            <a:ext cx="38100" cy="3048000"/>
+          </a:xfrm>
+          <a:prstGeom prst="rect">
+            <a:avLst/>
+          </a:prstGeom>
+          <a:solidFill>
+            <a:srgbClr val="0A4275"/>
+          </a:solidFill>
+          <a:ln>
+            <a:noFill/>
+          </a:ln>
+        </p:spPr>
+        <p:style>
+          <a:lnRef idx="1">
+            <a:schemeClr val="accent1"/>
+          </a:lnRef>
+          <a:fillRef idx="3">
+            <a:schemeClr val="accent1"/>
+          </a:fillRef>
+          <a:effectRef idx="2">
+            <a:schemeClr val="accent1"/>
+          </a:effectRef>
+          <a:fontRef idx="minor">
+            <a:schemeClr val="lt1"/>
+          </a:fontRef>
+        </p:style>
+        <p:txBody>
+          <a:bodyPr rtlCol="0" anchor="ctr"/>
+          <a:lstStyle/>
+          <a:p>
+            <a:pPr algn="ctr"/>
+          </a:p>
+        </p:txBody>
+      </p:sp>
+      <p:sp>
+        <p:nvSpPr>
+          <p:cNvPr id="45" name="TextBox 44"/>
           <p:cNvSpPr txBox="1"/>
           <p:nvPr/>
         </p:nvSpPr>
@@ -4607,7 +4675,7 @@
                 <a:solidFill>
                   <a:srgbClr val="666666"/>
                 </a:solidFill>
-                <a:latin typeface="Microsoft YaHei"/>
+                <a:latin typeface="DengXian"/>
               </a:rPr>
               <a:t>7</a:t>
             </a:r>
